--- a/Truth2D/Assets/Documents/遊戲概念.pptx
+++ b/Truth2D/Assets/Documents/遊戲概念.pptx
@@ -110,6 +110,11 @@
       </a:defRPr>
     </a:lvl9pPr>
   </p:defaultTextStyle>
+  <p:extLst>
+    <p:ext uri="{EFAFB233-063F-42B5-8137-9DF3F51BA10A}">
+      <p15:sldGuideLst xmlns:p15="http://schemas.microsoft.com/office/powerpoint/2012/main"/>
+    </p:ext>
+  </p:extLst>
 </p:presentation>
 </file>
 
@@ -3227,7 +3232,7 @@
         <p:spPr>
           <a:xfrm>
             <a:off x="0" y="0"/>
-            <a:ext cx="12192000" cy="6540500"/>
+            <a:ext cx="12192000" cy="6858000"/>
           </a:xfrm>
           <a:prstGeom prst="rect">
             <a:avLst/>
@@ -3560,14 +3565,14 @@
       </p:grpSpPr>
       <p:sp>
         <p:nvSpPr>
-          <p:cNvPr id="6" name="Rectangle 5"/>
+          <p:cNvPr id="11" name="Rectangle 10"/>
           <p:cNvSpPr/>
           <p:nvPr/>
         </p:nvSpPr>
         <p:spPr>
           <a:xfrm>
             <a:off x="0" y="0"/>
-            <a:ext cx="12192000" cy="6540500"/>
+            <a:ext cx="12192000" cy="6858000"/>
           </a:xfrm>
           <a:prstGeom prst="rect">
             <a:avLst/>
@@ -3947,14 +3952,14 @@
       </p:grpSpPr>
       <p:sp>
         <p:nvSpPr>
-          <p:cNvPr id="6" name="Rectangle 5"/>
+          <p:cNvPr id="12" name="Rectangle 11"/>
           <p:cNvSpPr/>
           <p:nvPr/>
         </p:nvSpPr>
         <p:spPr>
           <a:xfrm>
             <a:off x="0" y="0"/>
-            <a:ext cx="12192000" cy="6540500"/>
+            <a:ext cx="12192000" cy="6858000"/>
           </a:xfrm>
           <a:prstGeom prst="rect">
             <a:avLst/>

--- a/Truth2D/Assets/Documents/遊戲概念.pptx
+++ b/Truth2D/Assets/Documents/遊戲概念.pptx
@@ -3226,7 +3226,9 @@
       <p:sp>
         <p:nvSpPr>
           <p:cNvPr id="6" name="Rectangle 5"/>
-          <p:cNvSpPr/>
+          <p:cNvSpPr>
+            <a:spLocks noChangeAspect="1"/>
+          </p:cNvSpPr>
           <p:nvPr/>
         </p:nvSpPr>
         <p:spPr>
@@ -3526,6 +3528,36 @@
           </a:extLst>
         </p:spPr>
       </p:pic>
+      <p:pic>
+        <p:nvPicPr>
+          <p:cNvPr id="8" name="Picture 7"/>
+          <p:cNvPicPr>
+            <a:picLocks noChangeAspect="1"/>
+          </p:cNvPicPr>
+          <p:nvPr/>
+        </p:nvPicPr>
+        <p:blipFill>
+          <a:blip r:embed="rId4" cstate="print">
+            <a:extLst>
+              <a:ext uri="{28A0092B-C50C-407E-A947-70E740481C1C}">
+                <a14:useLocalDpi xmlns:a14="http://schemas.microsoft.com/office/drawing/2010/main" val="0"/>
+              </a:ext>
+            </a:extLst>
+          </a:blip>
+          <a:stretch>
+            <a:fillRect/>
+          </a:stretch>
+        </p:blipFill>
+        <p:spPr>
+          <a:xfrm>
+            <a:off x="9456048" y="6063361"/>
+            <a:ext cx="729954" cy="725677"/>
+          </a:xfrm>
+          <a:prstGeom prst="rect">
+            <a:avLst/>
+          </a:prstGeom>
+        </p:spPr>
+      </p:pic>
     </p:spTree>
     <p:extLst>
       <p:ext uri="{BB962C8B-B14F-4D97-AF65-F5344CB8AC3E}">
@@ -3911,6 +3943,36 @@
               </a14:hiddenFill>
             </a:ext>
           </a:extLst>
+        </p:spPr>
+      </p:pic>
+      <p:pic>
+        <p:nvPicPr>
+          <p:cNvPr id="13" name="Picture 12"/>
+          <p:cNvPicPr>
+            <a:picLocks noChangeAspect="1"/>
+          </p:cNvPicPr>
+          <p:nvPr/>
+        </p:nvPicPr>
+        <p:blipFill>
+          <a:blip r:embed="rId4" cstate="print">
+            <a:extLst>
+              <a:ext uri="{28A0092B-C50C-407E-A947-70E740481C1C}">
+                <a14:useLocalDpi xmlns:a14="http://schemas.microsoft.com/office/drawing/2010/main" val="0"/>
+              </a:ext>
+            </a:extLst>
+          </a:blip>
+          <a:stretch>
+            <a:fillRect/>
+          </a:stretch>
+        </p:blipFill>
+        <p:spPr>
+          <a:xfrm>
+            <a:off x="6581921" y="5692680"/>
+            <a:ext cx="729954" cy="725677"/>
+          </a:xfrm>
+          <a:prstGeom prst="rect">
+            <a:avLst/>
+          </a:prstGeom>
         </p:spPr>
       </p:pic>
     </p:spTree>

--- a/Truth2D/Assets/Documents/遊戲概念.pptx
+++ b/Truth2D/Assets/Documents/遊戲概念.pptx
@@ -3746,7 +3746,7 @@
         </p:blipFill>
         <p:spPr bwMode="auto">
           <a:xfrm>
-            <a:off x="5452267" y="5570537"/>
+            <a:off x="4892423" y="5570537"/>
             <a:ext cx="1287463" cy="1287463"/>
           </a:xfrm>
           <a:prstGeom prst="rect">
@@ -3772,7 +3772,7 @@
         </p:nvSpPr>
         <p:spPr>
           <a:xfrm>
-            <a:off x="5245098" y="0"/>
+            <a:off x="7268370" y="0"/>
             <a:ext cx="1701800" cy="6858000"/>
           </a:xfrm>
           <a:prstGeom prst="trapezoid">
@@ -4750,7 +4750,44 @@
       </a:bgFillStyleLst>
     </a:fmtScheme>
   </a:themeElements>
-  <a:objectDefaults/>
+  <a:objectDefaults>
+    <a:spDef>
+      <a:spPr>
+        <a:solidFill>
+          <a:schemeClr val="accent4">
+            <a:lumMod val="40000"/>
+            <a:lumOff val="60000"/>
+            <a:alpha val="50000"/>
+          </a:schemeClr>
+        </a:solidFill>
+        <a:ln>
+          <a:noFill/>
+        </a:ln>
+      </a:spPr>
+      <a:bodyPr rtlCol="0" anchor="ctr"/>
+      <a:lstStyle>
+        <a:defPPr algn="ctr">
+          <a:defRPr/>
+        </a:defPPr>
+      </a:lstStyle>
+      <a:style>
+        <a:lnRef idx="2">
+          <a:schemeClr val="accent1">
+            <a:shade val="50000"/>
+          </a:schemeClr>
+        </a:lnRef>
+        <a:fillRef idx="1">
+          <a:schemeClr val="accent1"/>
+        </a:fillRef>
+        <a:effectRef idx="0">
+          <a:schemeClr val="accent1"/>
+        </a:effectRef>
+        <a:fontRef idx="minor">
+          <a:schemeClr val="lt1"/>
+        </a:fontRef>
+      </a:style>
+    </a:spDef>
+  </a:objectDefaults>
   <a:extraClrSchemeLst/>
   <a:extLst>
     <a:ext uri="{05A4C25C-085E-4340-85A3-A5531E510DB2}">
